--- a/Game_recommender_.pptx
+++ b/Game_recommender_.pptx
@@ -5,46 +5,45 @@
     <p:sldMasterId id="2147483659" r:id="rId1"/>
   </p:sldMasterIdLst>
   <p:notesMasterIdLst>
-    <p:notesMasterId r:id="rId18"/>
+    <p:notesMasterId r:id="rId17"/>
   </p:notesMasterIdLst>
   <p:sldIdLst>
     <p:sldId id="256" r:id="rId2"/>
     <p:sldId id="257" r:id="rId3"/>
     <p:sldId id="259" r:id="rId4"/>
     <p:sldId id="289" r:id="rId5"/>
-    <p:sldId id="263" r:id="rId6"/>
-    <p:sldId id="294" r:id="rId7"/>
-    <p:sldId id="260" r:id="rId8"/>
-    <p:sldId id="276" r:id="rId9"/>
-    <p:sldId id="295" r:id="rId10"/>
-    <p:sldId id="296" r:id="rId11"/>
-    <p:sldId id="261" r:id="rId12"/>
-    <p:sldId id="297" r:id="rId13"/>
-    <p:sldId id="273" r:id="rId14"/>
-    <p:sldId id="269" r:id="rId15"/>
-    <p:sldId id="280" r:id="rId16"/>
-    <p:sldId id="287" r:id="rId17"/>
+    <p:sldId id="294" r:id="rId6"/>
+    <p:sldId id="260" r:id="rId7"/>
+    <p:sldId id="276" r:id="rId8"/>
+    <p:sldId id="295" r:id="rId9"/>
+    <p:sldId id="296" r:id="rId10"/>
+    <p:sldId id="261" r:id="rId11"/>
+    <p:sldId id="297" r:id="rId12"/>
+    <p:sldId id="273" r:id="rId13"/>
+    <p:sldId id="269" r:id="rId14"/>
+    <p:sldId id="280" r:id="rId15"/>
+    <p:sldId id="287" r:id="rId16"/>
   </p:sldIdLst>
   <p:sldSz cx="9144000" cy="5143500" type="screen16x9"/>
   <p:notesSz cx="6858000" cy="9144000"/>
   <p:embeddedFontLst>
     <p:embeddedFont>
       <p:font typeface="Calibri" panose="020F0502020204030204" pitchFamily="34" charset="0"/>
-      <p:regular r:id="rId19"/>
-      <p:bold r:id="rId20"/>
-      <p:italic r:id="rId21"/>
-      <p:boldItalic r:id="rId22"/>
+      <p:regular r:id="rId18"/>
+      <p:bold r:id="rId19"/>
+      <p:italic r:id="rId20"/>
+      <p:boldItalic r:id="rId21"/>
     </p:embeddedFont>
     <p:embeddedFont>
       <p:font typeface="Nunito" pitchFamily="2" charset="0"/>
-      <p:regular r:id="rId23"/>
-      <p:bold r:id="rId24"/>
-      <p:italic r:id="rId25"/>
-      <p:boldItalic r:id="rId26"/>
+      <p:regular r:id="rId22"/>
+      <p:bold r:id="rId23"/>
+      <p:italic r:id="rId24"/>
+      <p:boldItalic r:id="rId25"/>
     </p:embeddedFont>
     <p:embeddedFont>
       <p:font typeface="Walter Turncoat" panose="020B0604020202020204" charset="0"/>
-      <p:regular r:id="rId27"/>
+      <p:regular r:id="rId26"/>
     </p:embeddedFont>
   </p:embeddedFontLst>
   <p:defaultTextStyle>
@@ -276,6 +275,11 @@
       </a:defRPr>
     </a:lvl9pPr>
   </p:defaultTextStyle>
+  <p:extLst>
+    <p:ext uri="{EFAFB233-063F-42B5-8137-9DF3F51BA10A}">
+      <p15:sldGuideLst xmlns:p15="http://schemas.microsoft.com/office/powerpoint/2012/main"/>
+    </p:ext>
+  </p:extLst>
 </p:presentation>
 </file>
 
@@ -829,115 +833,6 @@
   <p:cSld>
     <p:spTree>
       <p:nvGrpSpPr>
-        <p:cNvPr id="1" name="Shape 421"/>
-        <p:cNvGrpSpPr/>
-        <p:nvPr/>
-      </p:nvGrpSpPr>
-      <p:grpSpPr>
-        <a:xfrm>
-          <a:off x="0" y="0"/>
-          <a:ext cx="0" cy="0"/>
-          <a:chOff x="0" y="0"/>
-          <a:chExt cx="0" cy="0"/>
-        </a:xfrm>
-      </p:grpSpPr>
-      <p:sp>
-        <p:nvSpPr>
-          <p:cNvPr id="422" name="Google Shape;422;g35ed75ccf_0113:notes"/>
-          <p:cNvSpPr>
-            <a:spLocks noGrp="1" noRot="1" noChangeAspect="1"/>
-          </p:cNvSpPr>
-          <p:nvPr>
-            <p:ph type="sldImg" idx="2"/>
-          </p:nvPr>
-        </p:nvSpPr>
-        <p:spPr>
-          <a:xfrm>
-            <a:off x="381000" y="685800"/>
-            <a:ext cx="6096000" cy="3429000"/>
-          </a:xfrm>
-          <a:custGeom>
-            <a:avLst/>
-            <a:gdLst/>
-            <a:ahLst/>
-            <a:cxnLst/>
-            <a:rect l="l" t="t" r="r" b="b"/>
-            <a:pathLst>
-              <a:path w="120000" h="120000" extrusionOk="0">
-                <a:moveTo>
-                  <a:pt x="0" y="0"/>
-                </a:moveTo>
-                <a:lnTo>
-                  <a:pt x="120000" y="0"/>
-                </a:lnTo>
-                <a:lnTo>
-                  <a:pt x="120000" y="120000"/>
-                </a:lnTo>
-                <a:lnTo>
-                  <a:pt x="0" y="120000"/>
-                </a:lnTo>
-                <a:close/>
-              </a:path>
-            </a:pathLst>
-          </a:custGeom>
-        </p:spPr>
-      </p:sp>
-      <p:sp>
-        <p:nvSpPr>
-          <p:cNvPr id="423" name="Google Shape;423;g35ed75ccf_0113:notes"/>
-          <p:cNvSpPr txBox="1">
-            <a:spLocks noGrp="1"/>
-          </p:cNvSpPr>
-          <p:nvPr>
-            <p:ph type="body" idx="1"/>
-          </p:nvPr>
-        </p:nvSpPr>
-        <p:spPr>
-          <a:xfrm>
-            <a:off x="685800" y="4343400"/>
-            <a:ext cx="5486400" cy="4114800"/>
-          </a:xfrm>
-          <a:prstGeom prst="rect">
-            <a:avLst/>
-          </a:prstGeom>
-        </p:spPr>
-        <p:txBody>
-          <a:bodyPr spcFirstLastPara="1" wrap="square" lIns="91425" tIns="91425" rIns="91425" bIns="91425" anchor="t" anchorCtr="0">
-            <a:noAutofit/>
-          </a:bodyPr>
-          <a:lstStyle/>
-          <a:p>
-            <a:pPr marL="0" lvl="0" indent="0" algn="l" rtl="0">
-              <a:spcBef>
-                <a:spcPts val="0"/>
-              </a:spcBef>
-              <a:spcAft>
-                <a:spcPts val="0"/>
-              </a:spcAft>
-              <a:buNone/>
-            </a:pPr>
-            <a:endParaRPr dirty="0"/>
-          </a:p>
-        </p:txBody>
-      </p:sp>
-    </p:spTree>
-    <p:extLst>
-      <p:ext uri="{BB962C8B-B14F-4D97-AF65-F5344CB8AC3E}">
-        <p14:creationId xmlns:p14="http://schemas.microsoft.com/office/powerpoint/2010/main" val="686744395"/>
-      </p:ext>
-    </p:extLst>
-  </p:cSld>
-  <p:clrMapOvr>
-    <a:masterClrMapping/>
-  </p:clrMapOvr>
-</p:notes>
-</file>
-
-<file path=ppt/notesSlides/notesSlide11.xml><?xml version="1.0" encoding="utf-8"?>
-<p:notes xmlns:a="http://schemas.openxmlformats.org/drawingml/2006/main" xmlns:r="http://schemas.openxmlformats.org/officeDocument/2006/relationships" xmlns:p="http://schemas.openxmlformats.org/presentationml/2006/main" showMasterSp="0" showMasterPhAnim="0">
-  <p:cSld>
-    <p:spTree>
-      <p:nvGrpSpPr>
         <p:cNvPr id="1" name="Shape 252"/>
         <p:cNvGrpSpPr/>
         <p:nvPr/>
@@ -1037,7 +932,7 @@
 </p:notes>
 </file>
 
-<file path=ppt/notesSlides/notesSlide12.xml><?xml version="1.0" encoding="utf-8"?>
+<file path=ppt/notesSlides/notesSlide11.xml><?xml version="1.0" encoding="utf-8"?>
 <p:notes xmlns:a="http://schemas.openxmlformats.org/drawingml/2006/main" xmlns:r="http://schemas.openxmlformats.org/officeDocument/2006/relationships" xmlns:p="http://schemas.openxmlformats.org/presentationml/2006/main" showMasterSp="0" showMasterPhAnim="0">
   <p:cSld>
     <p:spTree>
@@ -1146,7 +1041,7 @@
 </p:notes>
 </file>
 
-<file path=ppt/notesSlides/notesSlide13.xml><?xml version="1.0" encoding="utf-8"?>
+<file path=ppt/notesSlides/notesSlide12.xml><?xml version="1.0" encoding="utf-8"?>
 <p:notes xmlns:a="http://schemas.openxmlformats.org/drawingml/2006/main" xmlns:r="http://schemas.openxmlformats.org/officeDocument/2006/relationships" xmlns:p="http://schemas.openxmlformats.org/presentationml/2006/main" showMasterSp="0" showMasterPhAnim="0">
   <p:cSld>
     <p:spTree>
@@ -1250,7 +1145,7 @@
 </p:notes>
 </file>
 
-<file path=ppt/notesSlides/notesSlide14.xml><?xml version="1.0" encoding="utf-8"?>
+<file path=ppt/notesSlides/notesSlide13.xml><?xml version="1.0" encoding="utf-8"?>
 <p:notes xmlns:a="http://schemas.openxmlformats.org/drawingml/2006/main" xmlns:r="http://schemas.openxmlformats.org/officeDocument/2006/relationships" xmlns:p="http://schemas.openxmlformats.org/presentationml/2006/main" showMasterSp="0" showMasterPhAnim="0">
   <p:cSld>
     <p:spTree>
@@ -1354,7 +1249,7 @@
 </p:notes>
 </file>
 
-<file path=ppt/notesSlides/notesSlide15.xml><?xml version="1.0" encoding="utf-8"?>
+<file path=ppt/notesSlides/notesSlide14.xml><?xml version="1.0" encoding="utf-8"?>
 <p:notes xmlns:a="http://schemas.openxmlformats.org/drawingml/2006/main" xmlns:r="http://schemas.openxmlformats.org/officeDocument/2006/relationships" xmlns:p="http://schemas.openxmlformats.org/presentationml/2006/main" showMasterSp="0" showMasterPhAnim="0">
   <p:cSld>
     <p:spTree>
@@ -1458,7 +1353,7 @@
 </p:notes>
 </file>
 
-<file path=ppt/notesSlides/notesSlide16.xml><?xml version="1.0" encoding="utf-8"?>
+<file path=ppt/notesSlides/notesSlide15.xml><?xml version="1.0" encoding="utf-8"?>
 <p:notes xmlns:a="http://schemas.openxmlformats.org/drawingml/2006/main" xmlns:r="http://schemas.openxmlformats.org/officeDocument/2006/relationships" xmlns:p="http://schemas.openxmlformats.org/presentationml/2006/main" showMasterSp="0" showMasterPhAnim="0">
   <p:cSld>
     <p:spTree>
@@ -1879,110 +1774,6 @@
   <p:cSld>
     <p:spTree>
       <p:nvGrpSpPr>
-        <p:cNvPr id="1" name="Shape 269"/>
-        <p:cNvGrpSpPr/>
-        <p:nvPr/>
-      </p:nvGrpSpPr>
-      <p:grpSpPr>
-        <a:xfrm>
-          <a:off x="0" y="0"/>
-          <a:ext cx="0" cy="0"/>
-          <a:chOff x="0" y="0"/>
-          <a:chExt cx="0" cy="0"/>
-        </a:xfrm>
-      </p:grpSpPr>
-      <p:sp>
-        <p:nvSpPr>
-          <p:cNvPr id="270" name="Google Shape;270;g35f391192_017:notes"/>
-          <p:cNvSpPr>
-            <a:spLocks noGrp="1" noRot="1" noChangeAspect="1"/>
-          </p:cNvSpPr>
-          <p:nvPr>
-            <p:ph type="sldImg" idx="2"/>
-          </p:nvPr>
-        </p:nvSpPr>
-        <p:spPr>
-          <a:xfrm>
-            <a:off x="381000" y="685800"/>
-            <a:ext cx="6096000" cy="3429000"/>
-          </a:xfrm>
-          <a:custGeom>
-            <a:avLst/>
-            <a:gdLst/>
-            <a:ahLst/>
-            <a:cxnLst/>
-            <a:rect l="l" t="t" r="r" b="b"/>
-            <a:pathLst>
-              <a:path w="120000" h="120000" extrusionOk="0">
-                <a:moveTo>
-                  <a:pt x="0" y="0"/>
-                </a:moveTo>
-                <a:lnTo>
-                  <a:pt x="120000" y="0"/>
-                </a:lnTo>
-                <a:lnTo>
-                  <a:pt x="120000" y="120000"/>
-                </a:lnTo>
-                <a:lnTo>
-                  <a:pt x="0" y="120000"/>
-                </a:lnTo>
-                <a:close/>
-              </a:path>
-            </a:pathLst>
-          </a:custGeom>
-        </p:spPr>
-      </p:sp>
-      <p:sp>
-        <p:nvSpPr>
-          <p:cNvPr id="271" name="Google Shape;271;g35f391192_017:notes"/>
-          <p:cNvSpPr txBox="1">
-            <a:spLocks noGrp="1"/>
-          </p:cNvSpPr>
-          <p:nvPr>
-            <p:ph type="body" idx="1"/>
-          </p:nvPr>
-        </p:nvSpPr>
-        <p:spPr>
-          <a:xfrm>
-            <a:off x="685800" y="4343400"/>
-            <a:ext cx="5486400" cy="4114800"/>
-          </a:xfrm>
-          <a:prstGeom prst="rect">
-            <a:avLst/>
-          </a:prstGeom>
-        </p:spPr>
-        <p:txBody>
-          <a:bodyPr spcFirstLastPara="1" wrap="square" lIns="91425" tIns="91425" rIns="91425" bIns="91425" anchor="t" anchorCtr="0">
-            <a:noAutofit/>
-          </a:bodyPr>
-          <a:lstStyle/>
-          <a:p>
-            <a:pPr marL="0" lvl="0" indent="0" algn="l" rtl="0">
-              <a:spcBef>
-                <a:spcPts val="0"/>
-              </a:spcBef>
-              <a:spcAft>
-                <a:spcPts val="0"/>
-              </a:spcAft>
-              <a:buNone/>
-            </a:pPr>
-            <a:endParaRPr dirty="0"/>
-          </a:p>
-        </p:txBody>
-      </p:sp>
-    </p:spTree>
-  </p:cSld>
-  <p:clrMapOvr>
-    <a:masterClrMapping/>
-  </p:clrMapOvr>
-</p:notes>
-</file>
-
-<file path=ppt/notesSlides/notesSlide6.xml><?xml version="1.0" encoding="utf-8"?>
-<p:notes xmlns:a="http://schemas.openxmlformats.org/drawingml/2006/main" xmlns:r="http://schemas.openxmlformats.org/officeDocument/2006/relationships" xmlns:p="http://schemas.openxmlformats.org/presentationml/2006/main" showMasterSp="0" showMasterPhAnim="0">
-  <p:cSld>
-    <p:spTree>
-      <p:nvGrpSpPr>
         <p:cNvPr id="1" name="Shape 395"/>
         <p:cNvGrpSpPr/>
         <p:nvPr/>
@@ -2087,7 +1878,7 @@
 </p:notes>
 </file>
 
-<file path=ppt/notesSlides/notesSlide7.xml><?xml version="1.0" encoding="utf-8"?>
+<file path=ppt/notesSlides/notesSlide6.xml><?xml version="1.0" encoding="utf-8"?>
 <p:notes xmlns:a="http://schemas.openxmlformats.org/drawingml/2006/main" xmlns:r="http://schemas.openxmlformats.org/officeDocument/2006/relationships" xmlns:p="http://schemas.openxmlformats.org/presentationml/2006/main" showMasterSp="0" showMasterPhAnim="0">
   <p:cSld>
     <p:spTree>
@@ -2148,6 +1939,110 @@
       <p:sp>
         <p:nvSpPr>
           <p:cNvPr id="248" name="Google Shape;248;g35f391192_029:notes"/>
+          <p:cNvSpPr txBox="1">
+            <a:spLocks noGrp="1"/>
+          </p:cNvSpPr>
+          <p:nvPr>
+            <p:ph type="body" idx="1"/>
+          </p:nvPr>
+        </p:nvSpPr>
+        <p:spPr>
+          <a:xfrm>
+            <a:off x="685800" y="4343400"/>
+            <a:ext cx="5486400" cy="4114800"/>
+          </a:xfrm>
+          <a:prstGeom prst="rect">
+            <a:avLst/>
+          </a:prstGeom>
+        </p:spPr>
+        <p:txBody>
+          <a:bodyPr spcFirstLastPara="1" wrap="square" lIns="91425" tIns="91425" rIns="91425" bIns="91425" anchor="t" anchorCtr="0">
+            <a:noAutofit/>
+          </a:bodyPr>
+          <a:lstStyle/>
+          <a:p>
+            <a:pPr marL="0" lvl="0" indent="0" algn="l" rtl="0">
+              <a:spcBef>
+                <a:spcPts val="0"/>
+              </a:spcBef>
+              <a:spcAft>
+                <a:spcPts val="0"/>
+              </a:spcAft>
+              <a:buNone/>
+            </a:pPr>
+            <a:endParaRPr dirty="0"/>
+          </a:p>
+        </p:txBody>
+      </p:sp>
+    </p:spTree>
+  </p:cSld>
+  <p:clrMapOvr>
+    <a:masterClrMapping/>
+  </p:clrMapOvr>
+</p:notes>
+</file>
+
+<file path=ppt/notesSlides/notesSlide7.xml><?xml version="1.0" encoding="utf-8"?>
+<p:notes xmlns:a="http://schemas.openxmlformats.org/drawingml/2006/main" xmlns:r="http://schemas.openxmlformats.org/officeDocument/2006/relationships" xmlns:p="http://schemas.openxmlformats.org/presentationml/2006/main" showMasterSp="0" showMasterPhAnim="0">
+  <p:cSld>
+    <p:spTree>
+      <p:nvGrpSpPr>
+        <p:cNvPr id="1" name="Shape 421"/>
+        <p:cNvGrpSpPr/>
+        <p:nvPr/>
+      </p:nvGrpSpPr>
+      <p:grpSpPr>
+        <a:xfrm>
+          <a:off x="0" y="0"/>
+          <a:ext cx="0" cy="0"/>
+          <a:chOff x="0" y="0"/>
+          <a:chExt cx="0" cy="0"/>
+        </a:xfrm>
+      </p:grpSpPr>
+      <p:sp>
+        <p:nvSpPr>
+          <p:cNvPr id="422" name="Google Shape;422;g35ed75ccf_0113:notes"/>
+          <p:cNvSpPr>
+            <a:spLocks noGrp="1" noRot="1" noChangeAspect="1"/>
+          </p:cNvSpPr>
+          <p:nvPr>
+            <p:ph type="sldImg" idx="2"/>
+          </p:nvPr>
+        </p:nvSpPr>
+        <p:spPr>
+          <a:xfrm>
+            <a:off x="381000" y="685800"/>
+            <a:ext cx="6096000" cy="3429000"/>
+          </a:xfrm>
+          <a:custGeom>
+            <a:avLst/>
+            <a:gdLst/>
+            <a:ahLst/>
+            <a:cxnLst/>
+            <a:rect l="l" t="t" r="r" b="b"/>
+            <a:pathLst>
+              <a:path w="120000" h="120000" extrusionOk="0">
+                <a:moveTo>
+                  <a:pt x="0" y="0"/>
+                </a:moveTo>
+                <a:lnTo>
+                  <a:pt x="120000" y="0"/>
+                </a:lnTo>
+                <a:lnTo>
+                  <a:pt x="120000" y="120000"/>
+                </a:lnTo>
+                <a:lnTo>
+                  <a:pt x="0" y="120000"/>
+                </a:lnTo>
+                <a:close/>
+              </a:path>
+            </a:pathLst>
+          </a:custGeom>
+        </p:spPr>
+      </p:sp>
+      <p:sp>
+        <p:nvSpPr>
+          <p:cNvPr id="423" name="Google Shape;423;g35ed75ccf_0113:notes"/>
           <p:cNvSpPr txBox="1">
             <a:spLocks noGrp="1"/>
           </p:cNvSpPr>
@@ -2288,6 +2183,11 @@
         </p:txBody>
       </p:sp>
     </p:spTree>
+    <p:extLst>
+      <p:ext uri="{BB962C8B-B14F-4D97-AF65-F5344CB8AC3E}">
+        <p14:creationId xmlns:p14="http://schemas.microsoft.com/office/powerpoint/2010/main" val="1373799777"/>
+      </p:ext>
+    </p:extLst>
   </p:cSld>
   <p:clrMapOvr>
     <a:masterClrMapping/>
@@ -2394,7 +2294,7 @@
     </p:spTree>
     <p:extLst>
       <p:ext uri="{BB962C8B-B14F-4D97-AF65-F5344CB8AC3E}">
-        <p14:creationId xmlns:p14="http://schemas.microsoft.com/office/powerpoint/2010/main" val="1373799777"/>
+        <p14:creationId xmlns:p14="http://schemas.microsoft.com/office/powerpoint/2010/main" val="686744395"/>
       </p:ext>
     </p:extLst>
   </p:cSld>
@@ -15981,592 +15881,6 @@
   <p:cSld>
     <p:spTree>
       <p:nvGrpSpPr>
-        <p:cNvPr id="1" name="Shape 424"/>
-        <p:cNvGrpSpPr/>
-        <p:nvPr/>
-      </p:nvGrpSpPr>
-      <p:grpSpPr>
-        <a:xfrm>
-          <a:off x="0" y="0"/>
-          <a:ext cx="0" cy="0"/>
-          <a:chOff x="0" y="0"/>
-          <a:chExt cx="0" cy="0"/>
-        </a:xfrm>
-      </p:grpSpPr>
-      <p:sp>
-        <p:nvSpPr>
-          <p:cNvPr id="425" name="Google Shape;425;p33"/>
-          <p:cNvSpPr txBox="1">
-            <a:spLocks noGrp="1"/>
-          </p:cNvSpPr>
-          <p:nvPr>
-            <p:ph type="sldNum" idx="12"/>
-          </p:nvPr>
-        </p:nvSpPr>
-        <p:spPr>
-          <a:xfrm>
-            <a:off x="8404384" y="199526"/>
-            <a:ext cx="548700" cy="393600"/>
-          </a:xfrm>
-          <a:prstGeom prst="rect">
-            <a:avLst/>
-          </a:prstGeom>
-        </p:spPr>
-        <p:txBody>
-          <a:bodyPr spcFirstLastPara="1" wrap="square" lIns="0" tIns="0" rIns="0" bIns="0" anchor="t" anchorCtr="0">
-            <a:noAutofit/>
-          </a:bodyPr>
-          <a:lstStyle/>
-          <a:p>
-            <a:pPr marL="0" lvl="0" indent="0" algn="r" rtl="0">
-              <a:spcBef>
-                <a:spcPts val="0"/>
-              </a:spcBef>
-              <a:spcAft>
-                <a:spcPts val="0"/>
-              </a:spcAft>
-              <a:buNone/>
-            </a:pPr>
-            <a:fld id="{00000000-1234-1234-1234-123412341234}" type="slidenum">
-              <a:rPr lang="en"/>
-              <a:t>10</a:t>
-            </a:fld>
-            <a:endParaRPr dirty="0"/>
-          </a:p>
-        </p:txBody>
-      </p:sp>
-      <p:grpSp>
-        <p:nvGrpSpPr>
-          <p:cNvPr id="426" name="Google Shape;426;p33"/>
-          <p:cNvGrpSpPr/>
-          <p:nvPr/>
-        </p:nvGrpSpPr>
-        <p:grpSpPr>
-          <a:xfrm>
-            <a:off x="3856911" y="1241129"/>
-            <a:ext cx="4537267" cy="2674979"/>
-            <a:chOff x="3856911" y="1241129"/>
-            <a:chExt cx="4537267" cy="2674979"/>
-          </a:xfrm>
-        </p:grpSpPr>
-        <p:sp>
-          <p:nvSpPr>
-            <p:cNvPr id="427" name="Google Shape;427;p33"/>
-            <p:cNvSpPr/>
-            <p:nvPr/>
-          </p:nvSpPr>
-          <p:spPr>
-            <a:xfrm>
-              <a:off x="4228361" y="1241129"/>
-              <a:ext cx="3797910" cy="2542169"/>
-            </a:xfrm>
-            <a:custGeom>
-              <a:avLst/>
-              <a:gdLst/>
-              <a:ahLst/>
-              <a:cxnLst/>
-              <a:rect l="l" t="t" r="r" b="b"/>
-              <a:pathLst>
-                <a:path w="5161606" h="3454973" extrusionOk="0">
-                  <a:moveTo>
-                    <a:pt x="4992053" y="0"/>
-                  </a:moveTo>
-                  <a:lnTo>
-                    <a:pt x="170498" y="0"/>
-                  </a:lnTo>
-                  <a:cubicBezTo>
-                    <a:pt x="76200" y="0"/>
-                    <a:pt x="0" y="76143"/>
-                    <a:pt x="0" y="170369"/>
-                  </a:cubicBezTo>
-                  <a:lnTo>
-                    <a:pt x="0" y="3396915"/>
-                  </a:lnTo>
-                  <a:cubicBezTo>
-                    <a:pt x="0" y="3429275"/>
-                    <a:pt x="26670" y="3454973"/>
-                    <a:pt x="58102" y="3454973"/>
-                  </a:cubicBezTo>
-                  <a:lnTo>
-                    <a:pt x="5103495" y="3454973"/>
-                  </a:lnTo>
-                  <a:cubicBezTo>
-                    <a:pt x="5135880" y="3454973"/>
-                    <a:pt x="5161598" y="3428324"/>
-                    <a:pt x="5161598" y="3396915"/>
-                  </a:cubicBezTo>
-                  <a:lnTo>
-                    <a:pt x="5161598" y="170369"/>
-                  </a:lnTo>
-                  <a:cubicBezTo>
-                    <a:pt x="5162550" y="76143"/>
-                    <a:pt x="5086350" y="0"/>
-                    <a:pt x="4992053" y="0"/>
-                  </a:cubicBezTo>
-                  <a:close/>
-                  <a:moveTo>
-                    <a:pt x="4981575" y="3245581"/>
-                  </a:moveTo>
-                  <a:lnTo>
-                    <a:pt x="190500" y="3245581"/>
-                  </a:lnTo>
-                  <a:lnTo>
-                    <a:pt x="190500" y="199874"/>
-                  </a:lnTo>
-                  <a:lnTo>
-                    <a:pt x="4981575" y="199874"/>
-                  </a:lnTo>
-                  <a:lnTo>
-                    <a:pt x="4981575" y="3245581"/>
-                  </a:lnTo>
-                  <a:close/>
-                </a:path>
-              </a:pathLst>
-            </a:custGeom>
-            <a:noFill/>
-            <a:ln w="28575" cap="flat" cmpd="sng">
-              <a:solidFill>
-                <a:schemeClr val="dk1"/>
-              </a:solidFill>
-              <a:prstDash val="solid"/>
-              <a:round/>
-              <a:headEnd type="none" w="sm" len="sm"/>
-              <a:tailEnd type="none" w="sm" len="sm"/>
-            </a:ln>
-          </p:spPr>
-          <p:txBody>
-            <a:bodyPr spcFirstLastPara="1" wrap="square" lIns="91425" tIns="45700" rIns="91425" bIns="45700" anchor="ctr" anchorCtr="0">
-              <a:noAutofit/>
-            </a:bodyPr>
-            <a:lstStyle/>
-            <a:p>
-              <a:pPr marL="0" marR="0" lvl="0" indent="0" algn="l" rtl="0">
-                <a:spcBef>
-                  <a:spcPts val="0"/>
-                </a:spcBef>
-                <a:spcAft>
-                  <a:spcPts val="0"/>
-                </a:spcAft>
-                <a:buNone/>
-              </a:pPr>
-              <a:endParaRPr sz="1800" dirty="0">
-                <a:solidFill>
-                  <a:srgbClr val="000000"/>
-                </a:solidFill>
-                <a:latin typeface="Calibri"/>
-                <a:ea typeface="Calibri"/>
-                <a:cs typeface="Calibri"/>
-                <a:sym typeface="Calibri"/>
-              </a:endParaRPr>
-            </a:p>
-          </p:txBody>
-        </p:sp>
-        <p:sp>
-          <p:nvSpPr>
-            <p:cNvPr id="428" name="Google Shape;428;p33"/>
-            <p:cNvSpPr/>
-            <p:nvPr/>
-          </p:nvSpPr>
-          <p:spPr>
-            <a:xfrm>
-              <a:off x="3856911" y="3846153"/>
-              <a:ext cx="4537267" cy="69956"/>
-            </a:xfrm>
-            <a:custGeom>
-              <a:avLst/>
-              <a:gdLst/>
-              <a:ahLst/>
-              <a:cxnLst/>
-              <a:rect l="l" t="t" r="r" b="b"/>
-              <a:pathLst>
-                <a:path w="6173152" h="95178" extrusionOk="0">
-                  <a:moveTo>
-                    <a:pt x="0" y="0"/>
-                  </a:moveTo>
-                  <a:cubicBezTo>
-                    <a:pt x="0" y="0"/>
-                    <a:pt x="129540" y="95178"/>
-                    <a:pt x="450533" y="95178"/>
-                  </a:cubicBezTo>
-                  <a:lnTo>
-                    <a:pt x="5817870" y="95178"/>
-                  </a:lnTo>
-                  <a:cubicBezTo>
-                    <a:pt x="5948363" y="95178"/>
-                    <a:pt x="6173153" y="0"/>
-                    <a:pt x="6173153" y="0"/>
-                  </a:cubicBezTo>
-                  <a:lnTo>
-                    <a:pt x="0" y="0"/>
-                  </a:lnTo>
-                  <a:close/>
-                </a:path>
-              </a:pathLst>
-            </a:custGeom>
-            <a:noFill/>
-            <a:ln w="28575" cap="flat" cmpd="sng">
-              <a:solidFill>
-                <a:schemeClr val="dk1"/>
-              </a:solidFill>
-              <a:prstDash val="solid"/>
-              <a:round/>
-              <a:headEnd type="none" w="sm" len="sm"/>
-              <a:tailEnd type="none" w="sm" len="sm"/>
-            </a:ln>
-          </p:spPr>
-          <p:txBody>
-            <a:bodyPr spcFirstLastPara="1" wrap="square" lIns="91425" tIns="45700" rIns="91425" bIns="45700" anchor="ctr" anchorCtr="0">
-              <a:noAutofit/>
-            </a:bodyPr>
-            <a:lstStyle/>
-            <a:p>
-              <a:pPr marL="0" marR="0" lvl="0" indent="0" algn="l" rtl="0">
-                <a:spcBef>
-                  <a:spcPts val="0"/>
-                </a:spcBef>
-                <a:spcAft>
-                  <a:spcPts val="0"/>
-                </a:spcAft>
-                <a:buNone/>
-              </a:pPr>
-              <a:endParaRPr sz="1800" dirty="0">
-                <a:solidFill>
-                  <a:srgbClr val="000000"/>
-                </a:solidFill>
-                <a:latin typeface="Calibri"/>
-                <a:ea typeface="Calibri"/>
-                <a:cs typeface="Calibri"/>
-                <a:sym typeface="Calibri"/>
-              </a:endParaRPr>
-            </a:p>
-          </p:txBody>
-        </p:sp>
-        <p:sp>
-          <p:nvSpPr>
-            <p:cNvPr id="429" name="Google Shape;429;p33"/>
-            <p:cNvSpPr/>
-            <p:nvPr/>
-          </p:nvSpPr>
-          <p:spPr>
-            <a:xfrm>
-              <a:off x="3856911" y="3783368"/>
-              <a:ext cx="4536567" cy="55964"/>
-            </a:xfrm>
-            <a:custGeom>
-              <a:avLst/>
-              <a:gdLst/>
-              <a:ahLst/>
-              <a:cxnLst/>
-              <a:rect l="l" t="t" r="r" b="b"/>
-              <a:pathLst>
-                <a:path w="6172200" h="76142" extrusionOk="0">
-                  <a:moveTo>
-                    <a:pt x="0" y="76143"/>
-                  </a:moveTo>
-                  <a:lnTo>
-                    <a:pt x="6172200" y="76143"/>
-                  </a:lnTo>
-                  <a:lnTo>
-                    <a:pt x="6172200" y="0"/>
-                  </a:lnTo>
-                  <a:lnTo>
-                    <a:pt x="0" y="0"/>
-                  </a:lnTo>
-                  <a:close/>
-                </a:path>
-              </a:pathLst>
-            </a:custGeom>
-            <a:noFill/>
-            <a:ln w="28575" cap="flat" cmpd="sng">
-              <a:solidFill>
-                <a:schemeClr val="dk1"/>
-              </a:solidFill>
-              <a:prstDash val="solid"/>
-              <a:round/>
-              <a:headEnd type="none" w="sm" len="sm"/>
-              <a:tailEnd type="none" w="sm" len="sm"/>
-            </a:ln>
-          </p:spPr>
-          <p:txBody>
-            <a:bodyPr spcFirstLastPara="1" wrap="square" lIns="91425" tIns="45700" rIns="91425" bIns="45700" anchor="ctr" anchorCtr="0">
-              <a:noAutofit/>
-            </a:bodyPr>
-            <a:lstStyle/>
-            <a:p>
-              <a:pPr marL="0" marR="0" lvl="0" indent="0" algn="l" rtl="0">
-                <a:spcBef>
-                  <a:spcPts val="0"/>
-                </a:spcBef>
-                <a:spcAft>
-                  <a:spcPts val="0"/>
-                </a:spcAft>
-                <a:buNone/>
-              </a:pPr>
-              <a:endParaRPr sz="1800" dirty="0">
-                <a:solidFill>
-                  <a:srgbClr val="000000"/>
-                </a:solidFill>
-                <a:latin typeface="Calibri"/>
-                <a:ea typeface="Calibri"/>
-                <a:cs typeface="Calibri"/>
-                <a:sym typeface="Calibri"/>
-              </a:endParaRPr>
-            </a:p>
-          </p:txBody>
-        </p:sp>
-        <p:sp>
-          <p:nvSpPr>
-            <p:cNvPr id="430" name="Google Shape;430;p33"/>
-            <p:cNvSpPr/>
-            <p:nvPr/>
-          </p:nvSpPr>
-          <p:spPr>
-            <a:xfrm>
-              <a:off x="5791256" y="3783368"/>
-              <a:ext cx="664383" cy="34978"/>
-            </a:xfrm>
-            <a:custGeom>
-              <a:avLst/>
-              <a:gdLst/>
-              <a:ahLst/>
-              <a:cxnLst/>
-              <a:rect l="l" t="t" r="r" b="b"/>
-              <a:pathLst>
-                <a:path w="903922" h="47589" extrusionOk="0">
-                  <a:moveTo>
-                    <a:pt x="0" y="0"/>
-                  </a:moveTo>
-                  <a:cubicBezTo>
-                    <a:pt x="0" y="0"/>
-                    <a:pt x="26670" y="47589"/>
-                    <a:pt x="53340" y="47589"/>
-                  </a:cubicBezTo>
-                  <a:lnTo>
-                    <a:pt x="850582" y="47589"/>
-                  </a:lnTo>
-                  <a:cubicBezTo>
-                    <a:pt x="877253" y="47589"/>
-                    <a:pt x="903922" y="0"/>
-                    <a:pt x="903922" y="0"/>
-                  </a:cubicBezTo>
-                  <a:lnTo>
-                    <a:pt x="0" y="0"/>
-                  </a:lnTo>
-                  <a:close/>
-                </a:path>
-              </a:pathLst>
-            </a:custGeom>
-            <a:solidFill>
-              <a:schemeClr val="dk1"/>
-            </a:solidFill>
-            <a:ln>
-              <a:noFill/>
-            </a:ln>
-          </p:spPr>
-          <p:txBody>
-            <a:bodyPr spcFirstLastPara="1" wrap="square" lIns="91425" tIns="45700" rIns="91425" bIns="45700" anchor="ctr" anchorCtr="0">
-              <a:noAutofit/>
-            </a:bodyPr>
-            <a:lstStyle/>
-            <a:p>
-              <a:pPr marL="0" marR="0" lvl="0" indent="0" algn="l" rtl="0">
-                <a:spcBef>
-                  <a:spcPts val="0"/>
-                </a:spcBef>
-                <a:spcAft>
-                  <a:spcPts val="0"/>
-                </a:spcAft>
-                <a:buNone/>
-              </a:pPr>
-              <a:endParaRPr sz="1800" dirty="0">
-                <a:solidFill>
-                  <a:srgbClr val="000000"/>
-                </a:solidFill>
-                <a:latin typeface="Calibri"/>
-                <a:ea typeface="Calibri"/>
-                <a:cs typeface="Calibri"/>
-                <a:sym typeface="Calibri"/>
-              </a:endParaRPr>
-            </a:p>
-          </p:txBody>
-        </p:sp>
-      </p:grpSp>
-      <p:pic>
-        <p:nvPicPr>
-          <p:cNvPr id="431" name="Google Shape;431;p33"/>
-          <p:cNvPicPr preferRelativeResize="0"/>
-          <p:nvPr/>
-        </p:nvPicPr>
-        <p:blipFill rotWithShape="1">
-          <a:blip r:embed="rId3">
-            <a:alphaModFix/>
-          </a:blip>
-          <a:srcRect b="6620"/>
-          <a:stretch/>
-        </p:blipFill>
-        <p:spPr>
-          <a:xfrm>
-            <a:off x="4364088" y="1387850"/>
-            <a:ext cx="3530550" cy="2242675"/>
-          </a:xfrm>
-          <a:prstGeom prst="rect">
-            <a:avLst/>
-          </a:prstGeom>
-          <a:noFill/>
-          <a:ln>
-            <a:noFill/>
-          </a:ln>
-        </p:spPr>
-      </p:pic>
-      <p:pic>
-        <p:nvPicPr>
-          <p:cNvPr id="432" name="Google Shape;432;p33"/>
-          <p:cNvPicPr preferRelativeResize="0"/>
-          <p:nvPr/>
-        </p:nvPicPr>
-        <p:blipFill>
-          <a:blip r:embed="rId4">
-            <a:alphaModFix/>
-          </a:blip>
-          <a:stretch>
-            <a:fillRect/>
-          </a:stretch>
-        </p:blipFill>
-        <p:spPr>
-          <a:xfrm>
-            <a:off x="479580" y="689724"/>
-            <a:ext cx="3381574" cy="3317213"/>
-          </a:xfrm>
-          <a:prstGeom prst="rect">
-            <a:avLst/>
-          </a:prstGeom>
-          <a:noFill/>
-          <a:ln>
-            <a:noFill/>
-          </a:ln>
-        </p:spPr>
-      </p:pic>
-      <p:sp>
-        <p:nvSpPr>
-          <p:cNvPr id="433" name="Google Shape;433;p33"/>
-          <p:cNvSpPr txBox="1">
-            <a:spLocks noGrp="1"/>
-          </p:cNvSpPr>
-          <p:nvPr>
-            <p:ph type="body" idx="4294967295"/>
-          </p:nvPr>
-        </p:nvSpPr>
-        <p:spPr>
-          <a:xfrm>
-            <a:off x="643094" y="948121"/>
-            <a:ext cx="2788741" cy="2800418"/>
-          </a:xfrm>
-          <a:prstGeom prst="rect">
-            <a:avLst/>
-          </a:prstGeom>
-        </p:spPr>
-        <p:txBody>
-          <a:bodyPr spcFirstLastPara="1" wrap="square" lIns="0" tIns="0" rIns="0" bIns="0" anchor="ctr" anchorCtr="0">
-            <a:noAutofit/>
-          </a:bodyPr>
-          <a:lstStyle/>
-          <a:p>
-            <a:pPr marL="0" lvl="0" indent="0" algn="l" rtl="0">
-              <a:spcBef>
-                <a:spcPts val="0"/>
-              </a:spcBef>
-              <a:spcAft>
-                <a:spcPts val="0"/>
-              </a:spcAft>
-              <a:buNone/>
-            </a:pPr>
-            <a:r>
-              <a:rPr lang="en-US" sz="2000" dirty="0">
-                <a:solidFill>
-                  <a:schemeClr val="dk1"/>
-                </a:solidFill>
-                <a:latin typeface="Walter Turncoat"/>
-                <a:ea typeface="Walter Turncoat"/>
-                <a:cs typeface="Walter Turncoat"/>
-                <a:sym typeface="Walter Turncoat"/>
-              </a:rPr>
-              <a:t>When the inputs are valid, </a:t>
-            </a:r>
-            <a:r>
-              <a:rPr lang="en-US" sz="1600" dirty="0"/>
-              <a:t>after pressing the recommend button, the user can now press the display button which will recommend a number of games based on the inputs the user put in the input window that was closed</a:t>
-            </a:r>
-          </a:p>
-        </p:txBody>
-      </p:sp>
-      <p:pic>
-        <p:nvPicPr>
-          <p:cNvPr id="3074" name="Picture 2">
-            <a:extLst>
-              <a:ext uri="{FF2B5EF4-FFF2-40B4-BE49-F238E27FC236}">
-                <a16:creationId xmlns:a16="http://schemas.microsoft.com/office/drawing/2014/main" id="{F975C563-8A3F-4C7C-A6CA-528A811C99FB}"/>
-              </a:ext>
-            </a:extLst>
-          </p:cNvPr>
-          <p:cNvPicPr>
-            <a:picLocks noChangeAspect="1" noChangeArrowheads="1"/>
-          </p:cNvPicPr>
-          <p:nvPr/>
-        </p:nvPicPr>
-        <p:blipFill>
-          <a:blip r:embed="rId5">
-            <a:extLst>
-              <a:ext uri="{28A0092B-C50C-407E-A947-70E740481C1C}">
-                <a14:useLocalDpi xmlns:a14="http://schemas.microsoft.com/office/drawing/2010/main" val="0"/>
-              </a:ext>
-            </a:extLst>
-          </a:blip>
-          <a:srcRect/>
-          <a:stretch>
-            <a:fillRect/>
-          </a:stretch>
-        </p:blipFill>
-        <p:spPr bwMode="auto">
-          <a:xfrm>
-            <a:off x="4383138" y="1366863"/>
-            <a:ext cx="3530550" cy="2301061"/>
-          </a:xfrm>
-          <a:prstGeom prst="rect">
-            <a:avLst/>
-          </a:prstGeom>
-          <a:noFill/>
-          <a:extLst>
-            <a:ext uri="{909E8E84-426E-40DD-AFC4-6F175D3DCCD1}">
-              <a14:hiddenFill xmlns:a14="http://schemas.microsoft.com/office/drawing/2010/main">
-                <a:solidFill>
-                  <a:srgbClr val="FFFFFF"/>
-                </a:solidFill>
-              </a14:hiddenFill>
-            </a:ext>
-          </a:extLst>
-        </p:spPr>
-      </p:pic>
-    </p:spTree>
-    <p:extLst>
-      <p:ext uri="{BB962C8B-B14F-4D97-AF65-F5344CB8AC3E}">
-        <p14:creationId xmlns:p14="http://schemas.microsoft.com/office/powerpoint/2010/main" val="542898164"/>
-      </p:ext>
-    </p:extLst>
-  </p:cSld>
-  <p:clrMapOvr>
-    <a:masterClrMapping/>
-  </p:clrMapOvr>
-  <p:transition spd="slow">
-    <p:push dir="u"/>
-  </p:transition>
-</p:sld>
-</file>
-
-<file path=ppt/slides/slide11.xml><?xml version="1.0" encoding="utf-8"?>
-<p:sld xmlns:a="http://schemas.openxmlformats.org/drawingml/2006/main" xmlns:r="http://schemas.openxmlformats.org/officeDocument/2006/relationships" xmlns:p="http://schemas.openxmlformats.org/presentationml/2006/main">
-  <p:cSld>
-    <p:spTree>
-      <p:nvGrpSpPr>
         <p:cNvPr id="1" name="Shape 255"/>
         <p:cNvGrpSpPr/>
         <p:nvPr/>
@@ -16677,7 +15991,7 @@
             </a:pPr>
             <a:fld id="{00000000-1234-1234-1234-123412341234}" type="slidenum">
               <a:rPr lang="en"/>
-              <a:t>11</a:t>
+              <a:t>10</a:t>
             </a:fld>
             <a:endParaRPr dirty="0"/>
           </a:p>
@@ -16694,7 +16008,7 @@
 </p:sld>
 </file>
 
-<file path=ppt/slides/slide12.xml><?xml version="1.0" encoding="utf-8"?>
+<file path=ppt/slides/slide11.xml><?xml version="1.0" encoding="utf-8"?>
 <p:sld xmlns:a="http://schemas.openxmlformats.org/drawingml/2006/main" xmlns:r="http://schemas.openxmlformats.org/officeDocument/2006/relationships" xmlns:p="http://schemas.openxmlformats.org/presentationml/2006/main">
   <p:cSld>
     <p:spTree>
@@ -16747,7 +16061,7 @@
             </a:pPr>
             <a:fld id="{00000000-1234-1234-1234-123412341234}" type="slidenum">
               <a:rPr lang="en"/>
-              <a:t>12</a:t>
+              <a:t>11</a:t>
             </a:fld>
             <a:endParaRPr dirty="0"/>
           </a:p>
@@ -17200,7 +16514,7 @@
 </p:sld>
 </file>
 
-<file path=ppt/slides/slide13.xml><?xml version="1.0" encoding="utf-8"?>
+<file path=ppt/slides/slide12.xml><?xml version="1.0" encoding="utf-8"?>
 <p:sld xmlns:a="http://schemas.openxmlformats.org/drawingml/2006/main" xmlns:r="http://schemas.openxmlformats.org/officeDocument/2006/relationships" xmlns:p="http://schemas.openxmlformats.org/presentationml/2006/main">
   <p:cSld>
     <p:spTree>
@@ -17994,7 +17308,7 @@
 </p:sld>
 </file>
 
-<file path=ppt/slides/slide14.xml><?xml version="1.0" encoding="utf-8"?>
+<file path=ppt/slides/slide13.xml><?xml version="1.0" encoding="utf-8"?>
 <p:sld xmlns:a="http://schemas.openxmlformats.org/drawingml/2006/main" xmlns:r="http://schemas.openxmlformats.org/officeDocument/2006/relationships" xmlns:p="http://schemas.openxmlformats.org/presentationml/2006/main">
   <p:cSld>
     <p:spTree>
@@ -18047,7 +17361,7 @@
             </a:pPr>
             <a:fld id="{00000000-1234-1234-1234-123412341234}" type="slidenum">
               <a:rPr lang="en"/>
-              <a:t>14</a:t>
+              <a:t>13</a:t>
             </a:fld>
             <a:endParaRPr dirty="0"/>
           </a:p>
@@ -18381,7 +17695,7 @@
 </p:sld>
 </file>
 
-<file path=ppt/slides/slide15.xml><?xml version="1.0" encoding="utf-8"?>
+<file path=ppt/slides/slide14.xml><?xml version="1.0" encoding="utf-8"?>
 <p:sld xmlns:a="http://schemas.openxmlformats.org/drawingml/2006/main" xmlns:r="http://schemas.openxmlformats.org/officeDocument/2006/relationships" xmlns:p="http://schemas.openxmlformats.org/presentationml/2006/main">
   <p:cSld>
     <p:spTree>
@@ -18539,7 +17853,7 @@
 </p:sld>
 </file>
 
-<file path=ppt/slides/slide16.xml><?xml version="1.0" encoding="utf-8"?>
+<file path=ppt/slides/slide15.xml><?xml version="1.0" encoding="utf-8"?>
 <p:sld xmlns:a="http://schemas.openxmlformats.org/drawingml/2006/main" xmlns:r="http://schemas.openxmlformats.org/officeDocument/2006/relationships" xmlns:p="http://schemas.openxmlformats.org/presentationml/2006/main">
   <p:cSld>
     <p:spTree>
@@ -18634,7 +17948,7 @@
             </a:pPr>
             <a:fld id="{00000000-1234-1234-1234-123412341234}" type="slidenum">
               <a:rPr lang="en"/>
-              <a:t>16</a:t>
+              <a:t>15</a:t>
             </a:fld>
             <a:endParaRPr dirty="0"/>
           </a:p>
@@ -21469,24 +20783,8 @@
             </a:pPr>
             <a:r>
               <a:rPr lang="en-US" dirty="0"/>
-              <a:t>We'll be working with two datasets: user and game data. This blog will go over these in greater depth.</a:t>
+              <a:t>We'll be working with a filtered game dataset.</a:t>
             </a:r>
-          </a:p>
-          <a:p>
-            <a:pPr marL="457200" lvl="0" indent="-355600" algn="l" rtl="0">
-              <a:spcBef>
-                <a:spcPts val="0"/>
-              </a:spcBef>
-              <a:spcAft>
-                <a:spcPts val="0"/>
-              </a:spcAft>
-              <a:buClr>
-                <a:schemeClr val="accent4"/>
-              </a:buClr>
-              <a:buSzPts val="2000"/>
-              <a:buChar char="➜"/>
-            </a:pPr>
-            <a:endParaRPr lang="en-US" dirty="0"/>
           </a:p>
         </p:txBody>
       </p:sp>
@@ -22504,192 +21802,6 @@
 </file>
 
 <file path=ppt/slides/slide5.xml><?xml version="1.0" encoding="utf-8"?>
-<p:sld xmlns:a="http://schemas.openxmlformats.org/drawingml/2006/main" xmlns:r="http://schemas.openxmlformats.org/officeDocument/2006/relationships" xmlns:p="http://schemas.openxmlformats.org/presentationml/2006/main">
-  <p:cSld>
-    <p:spTree>
-      <p:nvGrpSpPr>
-        <p:cNvPr id="1" name="Shape 272"/>
-        <p:cNvGrpSpPr/>
-        <p:nvPr/>
-      </p:nvGrpSpPr>
-      <p:grpSpPr>
-        <a:xfrm>
-          <a:off x="0" y="0"/>
-          <a:ext cx="0" cy="0"/>
-          <a:chOff x="0" y="0"/>
-          <a:chExt cx="0" cy="0"/>
-        </a:xfrm>
-      </p:grpSpPr>
-      <p:sp>
-        <p:nvSpPr>
-          <p:cNvPr id="273" name="Google Shape;273;p20"/>
-          <p:cNvSpPr txBox="1">
-            <a:spLocks noGrp="1"/>
-          </p:cNvSpPr>
-          <p:nvPr>
-            <p:ph type="body" idx="1"/>
-          </p:nvPr>
-        </p:nvSpPr>
-        <p:spPr>
-          <a:xfrm>
-            <a:off x="1694277" y="1614825"/>
-            <a:ext cx="2674526" cy="2889300"/>
-          </a:xfrm>
-          <a:prstGeom prst="rect">
-            <a:avLst/>
-          </a:prstGeom>
-        </p:spPr>
-        <p:txBody>
-          <a:bodyPr spcFirstLastPara="1" wrap="square" lIns="0" tIns="0" rIns="0" bIns="0" anchor="t" anchorCtr="0">
-            <a:noAutofit/>
-          </a:bodyPr>
-          <a:lstStyle/>
-          <a:p>
-            <a:pPr marL="0" lvl="0" indent="0" algn="l" rtl="0">
-              <a:spcBef>
-                <a:spcPts val="0"/>
-              </a:spcBef>
-              <a:spcAft>
-                <a:spcPts val="0"/>
-              </a:spcAft>
-              <a:buNone/>
-            </a:pPr>
-            <a:r>
-              <a:rPr lang="en" b="1" dirty="0">
-                <a:solidFill>
-                  <a:schemeClr val="accent1"/>
-                </a:solidFill>
-              </a:rPr>
-              <a:t>We </a:t>
-            </a:r>
-            <a:r>
-              <a:rPr lang="en-US" dirty="0"/>
-              <a:t>can create a cosine similarity matrix for the recommender system. To begin, we generate a frequency matrix for each game and each word in the chosen column (column name). </a:t>
-            </a:r>
-          </a:p>
-        </p:txBody>
-      </p:sp>
-      <p:sp>
-        <p:nvSpPr>
-          <p:cNvPr id="275" name="Google Shape;275;p20"/>
-          <p:cNvSpPr txBox="1">
-            <a:spLocks noGrp="1"/>
-          </p:cNvSpPr>
-          <p:nvPr>
-            <p:ph type="body" idx="2"/>
-          </p:nvPr>
-        </p:nvSpPr>
-        <p:spPr>
-          <a:xfrm>
-            <a:off x="4862284" y="1087160"/>
-            <a:ext cx="2674525" cy="3172386"/>
-          </a:xfrm>
-          <a:prstGeom prst="rect">
-            <a:avLst/>
-          </a:prstGeom>
-        </p:spPr>
-        <p:txBody>
-          <a:bodyPr spcFirstLastPara="1" wrap="square" lIns="0" tIns="0" rIns="0" bIns="0" anchor="t" anchorCtr="0">
-            <a:noAutofit/>
-          </a:bodyPr>
-          <a:lstStyle/>
-          <a:p>
-            <a:pPr marL="0" lvl="0" indent="0" algn="l" rtl="0">
-              <a:spcBef>
-                <a:spcPts val="800"/>
-              </a:spcBef>
-              <a:spcAft>
-                <a:spcPts val="800"/>
-              </a:spcAft>
-              <a:buNone/>
-            </a:pPr>
-            <a:r>
-              <a:rPr lang="en-US" dirty="0"/>
-              <a:t>The cosine similarity matrix is then created using the frequency matrix. The function takes a game title as a string and the cosine similarity matrix established before as inputs.</a:t>
-            </a:r>
-            <a:endParaRPr dirty="0"/>
-          </a:p>
-        </p:txBody>
-      </p:sp>
-      <p:sp>
-        <p:nvSpPr>
-          <p:cNvPr id="276" name="Google Shape;276;p20"/>
-          <p:cNvSpPr txBox="1">
-            <a:spLocks noGrp="1"/>
-          </p:cNvSpPr>
-          <p:nvPr>
-            <p:ph type="sldNum" idx="12"/>
-          </p:nvPr>
-        </p:nvSpPr>
-        <p:spPr>
-          <a:xfrm>
-            <a:off x="8404384" y="199526"/>
-            <a:ext cx="548700" cy="393600"/>
-          </a:xfrm>
-          <a:prstGeom prst="rect">
-            <a:avLst/>
-          </a:prstGeom>
-        </p:spPr>
-        <p:txBody>
-          <a:bodyPr spcFirstLastPara="1" wrap="square" lIns="0" tIns="0" rIns="0" bIns="0" anchor="t" anchorCtr="0">
-            <a:noAutofit/>
-          </a:bodyPr>
-          <a:lstStyle/>
-          <a:p>
-            <a:pPr marL="0" lvl="0" indent="0" algn="r" rtl="0">
-              <a:spcBef>
-                <a:spcPts val="0"/>
-              </a:spcBef>
-              <a:spcAft>
-                <a:spcPts val="0"/>
-              </a:spcAft>
-              <a:buNone/>
-            </a:pPr>
-            <a:fld id="{00000000-1234-1234-1234-123412341234}" type="slidenum">
-              <a:rPr lang="en"/>
-              <a:t>5</a:t>
-            </a:fld>
-            <a:endParaRPr dirty="0"/>
-          </a:p>
-        </p:txBody>
-      </p:sp>
-      <p:sp>
-        <p:nvSpPr>
-          <p:cNvPr id="3" name="Title 2">
-            <a:extLst>
-              <a:ext uri="{FF2B5EF4-FFF2-40B4-BE49-F238E27FC236}">
-                <a16:creationId xmlns:a16="http://schemas.microsoft.com/office/drawing/2014/main" id="{2017B178-5CE4-439F-BC27-6B1C9B508255}"/>
-              </a:ext>
-            </a:extLst>
-          </p:cNvPr>
-          <p:cNvSpPr>
-            <a:spLocks noGrp="1"/>
-          </p:cNvSpPr>
-          <p:nvPr>
-            <p:ph type="title"/>
-          </p:nvPr>
-        </p:nvSpPr>
-        <p:spPr/>
-        <p:txBody>
-          <a:bodyPr/>
-          <a:lstStyle/>
-          <a:p>
-            <a:endParaRPr lang="en-PH" dirty="0"/>
-          </a:p>
-        </p:txBody>
-      </p:sp>
-    </p:spTree>
-  </p:cSld>
-  <p:clrMapOvr>
-    <a:masterClrMapping/>
-  </p:clrMapOvr>
-  <p:transition spd="slow">
-    <p:push dir="u"/>
-  </p:transition>
-</p:sld>
-</file>
-
-<file path=ppt/slides/slide6.xml><?xml version="1.0" encoding="utf-8"?>
 <p:sld xmlns:a="http://schemas.openxmlformats.org/drawingml/2006/main" xmlns:r="http://schemas.openxmlformats.org/officeDocument/2006/relationships" xmlns:p="http://schemas.openxmlformats.org/presentationml/2006/main">
   <p:cSld>
     <p:spTree>
@@ -22834,7 +21946,7 @@
             </a:pPr>
             <a:fld id="{00000000-1234-1234-1234-123412341234}" type="slidenum">
               <a:rPr lang="en"/>
-              <a:t>6</a:t>
+              <a:t>5</a:t>
             </a:fld>
             <a:endParaRPr dirty="0"/>
           </a:p>
@@ -23239,7 +22351,7 @@
 </p:sld>
 </file>
 
-<file path=ppt/slides/slide7.xml><?xml version="1.0" encoding="utf-8"?>
+<file path=ppt/slides/slide6.xml><?xml version="1.0" encoding="utf-8"?>
 <p:sld xmlns:a="http://schemas.openxmlformats.org/drawingml/2006/main" xmlns:r="http://schemas.openxmlformats.org/officeDocument/2006/relationships" xmlns:p="http://schemas.openxmlformats.org/presentationml/2006/main">
   <p:cSld>
     <p:spTree>
@@ -23369,7 +22481,7 @@
 </p:sld>
 </file>
 
-<file path=ppt/slides/slide8.xml><?xml version="1.0" encoding="utf-8"?>
+<file path=ppt/slides/slide7.xml><?xml version="1.0" encoding="utf-8"?>
 <p:sld xmlns:a="http://schemas.openxmlformats.org/drawingml/2006/main" xmlns:r="http://schemas.openxmlformats.org/officeDocument/2006/relationships" xmlns:p="http://schemas.openxmlformats.org/presentationml/2006/main">
   <p:cSld>
     <p:spTree>
@@ -23422,7 +22534,7 @@
             </a:pPr>
             <a:fld id="{00000000-1234-1234-1234-123412341234}" type="slidenum">
               <a:rPr lang="en"/>
-              <a:t>8</a:t>
+              <a:t>7</a:t>
             </a:fld>
             <a:endParaRPr dirty="0"/>
           </a:p>
@@ -23948,7 +23060,7 @@
 </p:sld>
 </file>
 
-<file path=ppt/slides/slide9.xml><?xml version="1.0" encoding="utf-8"?>
+<file path=ppt/slides/slide8.xml><?xml version="1.0" encoding="utf-8"?>
 <p:sld xmlns:a="http://schemas.openxmlformats.org/drawingml/2006/main" xmlns:r="http://schemas.openxmlformats.org/officeDocument/2006/relationships" xmlns:p="http://schemas.openxmlformats.org/presentationml/2006/main">
   <p:cSld>
     <p:spTree>
@@ -24001,7 +23113,7 @@
             </a:pPr>
             <a:fld id="{00000000-1234-1234-1234-123412341234}" type="slidenum">
               <a:rPr lang="en"/>
-              <a:t>9</a:t>
+              <a:t>8</a:t>
             </a:fld>
             <a:endParaRPr dirty="0"/>
           </a:p>
@@ -24520,6 +23632,592 @@
     <p:extLst>
       <p:ext uri="{BB962C8B-B14F-4D97-AF65-F5344CB8AC3E}">
         <p14:creationId xmlns:p14="http://schemas.microsoft.com/office/powerpoint/2010/main" val="3486624062"/>
+      </p:ext>
+    </p:extLst>
+  </p:cSld>
+  <p:clrMapOvr>
+    <a:masterClrMapping/>
+  </p:clrMapOvr>
+  <p:transition spd="slow">
+    <p:push dir="u"/>
+  </p:transition>
+</p:sld>
+</file>
+
+<file path=ppt/slides/slide9.xml><?xml version="1.0" encoding="utf-8"?>
+<p:sld xmlns:a="http://schemas.openxmlformats.org/drawingml/2006/main" xmlns:r="http://schemas.openxmlformats.org/officeDocument/2006/relationships" xmlns:p="http://schemas.openxmlformats.org/presentationml/2006/main">
+  <p:cSld>
+    <p:spTree>
+      <p:nvGrpSpPr>
+        <p:cNvPr id="1" name="Shape 424"/>
+        <p:cNvGrpSpPr/>
+        <p:nvPr/>
+      </p:nvGrpSpPr>
+      <p:grpSpPr>
+        <a:xfrm>
+          <a:off x="0" y="0"/>
+          <a:ext cx="0" cy="0"/>
+          <a:chOff x="0" y="0"/>
+          <a:chExt cx="0" cy="0"/>
+        </a:xfrm>
+      </p:grpSpPr>
+      <p:sp>
+        <p:nvSpPr>
+          <p:cNvPr id="425" name="Google Shape;425;p33"/>
+          <p:cNvSpPr txBox="1">
+            <a:spLocks noGrp="1"/>
+          </p:cNvSpPr>
+          <p:nvPr>
+            <p:ph type="sldNum" idx="12"/>
+          </p:nvPr>
+        </p:nvSpPr>
+        <p:spPr>
+          <a:xfrm>
+            <a:off x="8404384" y="199526"/>
+            <a:ext cx="548700" cy="393600"/>
+          </a:xfrm>
+          <a:prstGeom prst="rect">
+            <a:avLst/>
+          </a:prstGeom>
+        </p:spPr>
+        <p:txBody>
+          <a:bodyPr spcFirstLastPara="1" wrap="square" lIns="0" tIns="0" rIns="0" bIns="0" anchor="t" anchorCtr="0">
+            <a:noAutofit/>
+          </a:bodyPr>
+          <a:lstStyle/>
+          <a:p>
+            <a:pPr marL="0" lvl="0" indent="0" algn="r" rtl="0">
+              <a:spcBef>
+                <a:spcPts val="0"/>
+              </a:spcBef>
+              <a:spcAft>
+                <a:spcPts val="0"/>
+              </a:spcAft>
+              <a:buNone/>
+            </a:pPr>
+            <a:fld id="{00000000-1234-1234-1234-123412341234}" type="slidenum">
+              <a:rPr lang="en"/>
+              <a:t>9</a:t>
+            </a:fld>
+            <a:endParaRPr dirty="0"/>
+          </a:p>
+        </p:txBody>
+      </p:sp>
+      <p:grpSp>
+        <p:nvGrpSpPr>
+          <p:cNvPr id="426" name="Google Shape;426;p33"/>
+          <p:cNvGrpSpPr/>
+          <p:nvPr/>
+        </p:nvGrpSpPr>
+        <p:grpSpPr>
+          <a:xfrm>
+            <a:off x="3856911" y="1241129"/>
+            <a:ext cx="4537267" cy="2674979"/>
+            <a:chOff x="3856911" y="1241129"/>
+            <a:chExt cx="4537267" cy="2674979"/>
+          </a:xfrm>
+        </p:grpSpPr>
+        <p:sp>
+          <p:nvSpPr>
+            <p:cNvPr id="427" name="Google Shape;427;p33"/>
+            <p:cNvSpPr/>
+            <p:nvPr/>
+          </p:nvSpPr>
+          <p:spPr>
+            <a:xfrm>
+              <a:off x="4228361" y="1241129"/>
+              <a:ext cx="3797910" cy="2542169"/>
+            </a:xfrm>
+            <a:custGeom>
+              <a:avLst/>
+              <a:gdLst/>
+              <a:ahLst/>
+              <a:cxnLst/>
+              <a:rect l="l" t="t" r="r" b="b"/>
+              <a:pathLst>
+                <a:path w="5161606" h="3454973" extrusionOk="0">
+                  <a:moveTo>
+                    <a:pt x="4992053" y="0"/>
+                  </a:moveTo>
+                  <a:lnTo>
+                    <a:pt x="170498" y="0"/>
+                  </a:lnTo>
+                  <a:cubicBezTo>
+                    <a:pt x="76200" y="0"/>
+                    <a:pt x="0" y="76143"/>
+                    <a:pt x="0" y="170369"/>
+                  </a:cubicBezTo>
+                  <a:lnTo>
+                    <a:pt x="0" y="3396915"/>
+                  </a:lnTo>
+                  <a:cubicBezTo>
+                    <a:pt x="0" y="3429275"/>
+                    <a:pt x="26670" y="3454973"/>
+                    <a:pt x="58102" y="3454973"/>
+                  </a:cubicBezTo>
+                  <a:lnTo>
+                    <a:pt x="5103495" y="3454973"/>
+                  </a:lnTo>
+                  <a:cubicBezTo>
+                    <a:pt x="5135880" y="3454973"/>
+                    <a:pt x="5161598" y="3428324"/>
+                    <a:pt x="5161598" y="3396915"/>
+                  </a:cubicBezTo>
+                  <a:lnTo>
+                    <a:pt x="5161598" y="170369"/>
+                  </a:lnTo>
+                  <a:cubicBezTo>
+                    <a:pt x="5162550" y="76143"/>
+                    <a:pt x="5086350" y="0"/>
+                    <a:pt x="4992053" y="0"/>
+                  </a:cubicBezTo>
+                  <a:close/>
+                  <a:moveTo>
+                    <a:pt x="4981575" y="3245581"/>
+                  </a:moveTo>
+                  <a:lnTo>
+                    <a:pt x="190500" y="3245581"/>
+                  </a:lnTo>
+                  <a:lnTo>
+                    <a:pt x="190500" y="199874"/>
+                  </a:lnTo>
+                  <a:lnTo>
+                    <a:pt x="4981575" y="199874"/>
+                  </a:lnTo>
+                  <a:lnTo>
+                    <a:pt x="4981575" y="3245581"/>
+                  </a:lnTo>
+                  <a:close/>
+                </a:path>
+              </a:pathLst>
+            </a:custGeom>
+            <a:noFill/>
+            <a:ln w="28575" cap="flat" cmpd="sng">
+              <a:solidFill>
+                <a:schemeClr val="dk1"/>
+              </a:solidFill>
+              <a:prstDash val="solid"/>
+              <a:round/>
+              <a:headEnd type="none" w="sm" len="sm"/>
+              <a:tailEnd type="none" w="sm" len="sm"/>
+            </a:ln>
+          </p:spPr>
+          <p:txBody>
+            <a:bodyPr spcFirstLastPara="1" wrap="square" lIns="91425" tIns="45700" rIns="91425" bIns="45700" anchor="ctr" anchorCtr="0">
+              <a:noAutofit/>
+            </a:bodyPr>
+            <a:lstStyle/>
+            <a:p>
+              <a:pPr marL="0" marR="0" lvl="0" indent="0" algn="l" rtl="0">
+                <a:spcBef>
+                  <a:spcPts val="0"/>
+                </a:spcBef>
+                <a:spcAft>
+                  <a:spcPts val="0"/>
+                </a:spcAft>
+                <a:buNone/>
+              </a:pPr>
+              <a:endParaRPr sz="1800" dirty="0">
+                <a:solidFill>
+                  <a:srgbClr val="000000"/>
+                </a:solidFill>
+                <a:latin typeface="Calibri"/>
+                <a:ea typeface="Calibri"/>
+                <a:cs typeface="Calibri"/>
+                <a:sym typeface="Calibri"/>
+              </a:endParaRPr>
+            </a:p>
+          </p:txBody>
+        </p:sp>
+        <p:sp>
+          <p:nvSpPr>
+            <p:cNvPr id="428" name="Google Shape;428;p33"/>
+            <p:cNvSpPr/>
+            <p:nvPr/>
+          </p:nvSpPr>
+          <p:spPr>
+            <a:xfrm>
+              <a:off x="3856911" y="3846153"/>
+              <a:ext cx="4537267" cy="69956"/>
+            </a:xfrm>
+            <a:custGeom>
+              <a:avLst/>
+              <a:gdLst/>
+              <a:ahLst/>
+              <a:cxnLst/>
+              <a:rect l="l" t="t" r="r" b="b"/>
+              <a:pathLst>
+                <a:path w="6173152" h="95178" extrusionOk="0">
+                  <a:moveTo>
+                    <a:pt x="0" y="0"/>
+                  </a:moveTo>
+                  <a:cubicBezTo>
+                    <a:pt x="0" y="0"/>
+                    <a:pt x="129540" y="95178"/>
+                    <a:pt x="450533" y="95178"/>
+                  </a:cubicBezTo>
+                  <a:lnTo>
+                    <a:pt x="5817870" y="95178"/>
+                  </a:lnTo>
+                  <a:cubicBezTo>
+                    <a:pt x="5948363" y="95178"/>
+                    <a:pt x="6173153" y="0"/>
+                    <a:pt x="6173153" y="0"/>
+                  </a:cubicBezTo>
+                  <a:lnTo>
+                    <a:pt x="0" y="0"/>
+                  </a:lnTo>
+                  <a:close/>
+                </a:path>
+              </a:pathLst>
+            </a:custGeom>
+            <a:noFill/>
+            <a:ln w="28575" cap="flat" cmpd="sng">
+              <a:solidFill>
+                <a:schemeClr val="dk1"/>
+              </a:solidFill>
+              <a:prstDash val="solid"/>
+              <a:round/>
+              <a:headEnd type="none" w="sm" len="sm"/>
+              <a:tailEnd type="none" w="sm" len="sm"/>
+            </a:ln>
+          </p:spPr>
+          <p:txBody>
+            <a:bodyPr spcFirstLastPara="1" wrap="square" lIns="91425" tIns="45700" rIns="91425" bIns="45700" anchor="ctr" anchorCtr="0">
+              <a:noAutofit/>
+            </a:bodyPr>
+            <a:lstStyle/>
+            <a:p>
+              <a:pPr marL="0" marR="0" lvl="0" indent="0" algn="l" rtl="0">
+                <a:spcBef>
+                  <a:spcPts val="0"/>
+                </a:spcBef>
+                <a:spcAft>
+                  <a:spcPts val="0"/>
+                </a:spcAft>
+                <a:buNone/>
+              </a:pPr>
+              <a:endParaRPr sz="1800" dirty="0">
+                <a:solidFill>
+                  <a:srgbClr val="000000"/>
+                </a:solidFill>
+                <a:latin typeface="Calibri"/>
+                <a:ea typeface="Calibri"/>
+                <a:cs typeface="Calibri"/>
+                <a:sym typeface="Calibri"/>
+              </a:endParaRPr>
+            </a:p>
+          </p:txBody>
+        </p:sp>
+        <p:sp>
+          <p:nvSpPr>
+            <p:cNvPr id="429" name="Google Shape;429;p33"/>
+            <p:cNvSpPr/>
+            <p:nvPr/>
+          </p:nvSpPr>
+          <p:spPr>
+            <a:xfrm>
+              <a:off x="3856911" y="3783368"/>
+              <a:ext cx="4536567" cy="55964"/>
+            </a:xfrm>
+            <a:custGeom>
+              <a:avLst/>
+              <a:gdLst/>
+              <a:ahLst/>
+              <a:cxnLst/>
+              <a:rect l="l" t="t" r="r" b="b"/>
+              <a:pathLst>
+                <a:path w="6172200" h="76142" extrusionOk="0">
+                  <a:moveTo>
+                    <a:pt x="0" y="76143"/>
+                  </a:moveTo>
+                  <a:lnTo>
+                    <a:pt x="6172200" y="76143"/>
+                  </a:lnTo>
+                  <a:lnTo>
+                    <a:pt x="6172200" y="0"/>
+                  </a:lnTo>
+                  <a:lnTo>
+                    <a:pt x="0" y="0"/>
+                  </a:lnTo>
+                  <a:close/>
+                </a:path>
+              </a:pathLst>
+            </a:custGeom>
+            <a:noFill/>
+            <a:ln w="28575" cap="flat" cmpd="sng">
+              <a:solidFill>
+                <a:schemeClr val="dk1"/>
+              </a:solidFill>
+              <a:prstDash val="solid"/>
+              <a:round/>
+              <a:headEnd type="none" w="sm" len="sm"/>
+              <a:tailEnd type="none" w="sm" len="sm"/>
+            </a:ln>
+          </p:spPr>
+          <p:txBody>
+            <a:bodyPr spcFirstLastPara="1" wrap="square" lIns="91425" tIns="45700" rIns="91425" bIns="45700" anchor="ctr" anchorCtr="0">
+              <a:noAutofit/>
+            </a:bodyPr>
+            <a:lstStyle/>
+            <a:p>
+              <a:pPr marL="0" marR="0" lvl="0" indent="0" algn="l" rtl="0">
+                <a:spcBef>
+                  <a:spcPts val="0"/>
+                </a:spcBef>
+                <a:spcAft>
+                  <a:spcPts val="0"/>
+                </a:spcAft>
+                <a:buNone/>
+              </a:pPr>
+              <a:endParaRPr sz="1800" dirty="0">
+                <a:solidFill>
+                  <a:srgbClr val="000000"/>
+                </a:solidFill>
+                <a:latin typeface="Calibri"/>
+                <a:ea typeface="Calibri"/>
+                <a:cs typeface="Calibri"/>
+                <a:sym typeface="Calibri"/>
+              </a:endParaRPr>
+            </a:p>
+          </p:txBody>
+        </p:sp>
+        <p:sp>
+          <p:nvSpPr>
+            <p:cNvPr id="430" name="Google Shape;430;p33"/>
+            <p:cNvSpPr/>
+            <p:nvPr/>
+          </p:nvSpPr>
+          <p:spPr>
+            <a:xfrm>
+              <a:off x="5791256" y="3783368"/>
+              <a:ext cx="664383" cy="34978"/>
+            </a:xfrm>
+            <a:custGeom>
+              <a:avLst/>
+              <a:gdLst/>
+              <a:ahLst/>
+              <a:cxnLst/>
+              <a:rect l="l" t="t" r="r" b="b"/>
+              <a:pathLst>
+                <a:path w="903922" h="47589" extrusionOk="0">
+                  <a:moveTo>
+                    <a:pt x="0" y="0"/>
+                  </a:moveTo>
+                  <a:cubicBezTo>
+                    <a:pt x="0" y="0"/>
+                    <a:pt x="26670" y="47589"/>
+                    <a:pt x="53340" y="47589"/>
+                  </a:cubicBezTo>
+                  <a:lnTo>
+                    <a:pt x="850582" y="47589"/>
+                  </a:lnTo>
+                  <a:cubicBezTo>
+                    <a:pt x="877253" y="47589"/>
+                    <a:pt x="903922" y="0"/>
+                    <a:pt x="903922" y="0"/>
+                  </a:cubicBezTo>
+                  <a:lnTo>
+                    <a:pt x="0" y="0"/>
+                  </a:lnTo>
+                  <a:close/>
+                </a:path>
+              </a:pathLst>
+            </a:custGeom>
+            <a:solidFill>
+              <a:schemeClr val="dk1"/>
+            </a:solidFill>
+            <a:ln>
+              <a:noFill/>
+            </a:ln>
+          </p:spPr>
+          <p:txBody>
+            <a:bodyPr spcFirstLastPara="1" wrap="square" lIns="91425" tIns="45700" rIns="91425" bIns="45700" anchor="ctr" anchorCtr="0">
+              <a:noAutofit/>
+            </a:bodyPr>
+            <a:lstStyle/>
+            <a:p>
+              <a:pPr marL="0" marR="0" lvl="0" indent="0" algn="l" rtl="0">
+                <a:spcBef>
+                  <a:spcPts val="0"/>
+                </a:spcBef>
+                <a:spcAft>
+                  <a:spcPts val="0"/>
+                </a:spcAft>
+                <a:buNone/>
+              </a:pPr>
+              <a:endParaRPr sz="1800" dirty="0">
+                <a:solidFill>
+                  <a:srgbClr val="000000"/>
+                </a:solidFill>
+                <a:latin typeface="Calibri"/>
+                <a:ea typeface="Calibri"/>
+                <a:cs typeface="Calibri"/>
+                <a:sym typeface="Calibri"/>
+              </a:endParaRPr>
+            </a:p>
+          </p:txBody>
+        </p:sp>
+      </p:grpSp>
+      <p:pic>
+        <p:nvPicPr>
+          <p:cNvPr id="431" name="Google Shape;431;p33"/>
+          <p:cNvPicPr preferRelativeResize="0"/>
+          <p:nvPr/>
+        </p:nvPicPr>
+        <p:blipFill rotWithShape="1">
+          <a:blip r:embed="rId3">
+            <a:alphaModFix/>
+          </a:blip>
+          <a:srcRect b="6620"/>
+          <a:stretch/>
+        </p:blipFill>
+        <p:spPr>
+          <a:xfrm>
+            <a:off x="4364088" y="1387850"/>
+            <a:ext cx="3530550" cy="2242675"/>
+          </a:xfrm>
+          <a:prstGeom prst="rect">
+            <a:avLst/>
+          </a:prstGeom>
+          <a:noFill/>
+          <a:ln>
+            <a:noFill/>
+          </a:ln>
+        </p:spPr>
+      </p:pic>
+      <p:pic>
+        <p:nvPicPr>
+          <p:cNvPr id="432" name="Google Shape;432;p33"/>
+          <p:cNvPicPr preferRelativeResize="0"/>
+          <p:nvPr/>
+        </p:nvPicPr>
+        <p:blipFill>
+          <a:blip r:embed="rId4">
+            <a:alphaModFix/>
+          </a:blip>
+          <a:stretch>
+            <a:fillRect/>
+          </a:stretch>
+        </p:blipFill>
+        <p:spPr>
+          <a:xfrm>
+            <a:off x="479580" y="689724"/>
+            <a:ext cx="3381574" cy="3317213"/>
+          </a:xfrm>
+          <a:prstGeom prst="rect">
+            <a:avLst/>
+          </a:prstGeom>
+          <a:noFill/>
+          <a:ln>
+            <a:noFill/>
+          </a:ln>
+        </p:spPr>
+      </p:pic>
+      <p:sp>
+        <p:nvSpPr>
+          <p:cNvPr id="433" name="Google Shape;433;p33"/>
+          <p:cNvSpPr txBox="1">
+            <a:spLocks noGrp="1"/>
+          </p:cNvSpPr>
+          <p:nvPr>
+            <p:ph type="body" idx="4294967295"/>
+          </p:nvPr>
+        </p:nvSpPr>
+        <p:spPr>
+          <a:xfrm>
+            <a:off x="643094" y="948121"/>
+            <a:ext cx="2788741" cy="2800418"/>
+          </a:xfrm>
+          <a:prstGeom prst="rect">
+            <a:avLst/>
+          </a:prstGeom>
+        </p:spPr>
+        <p:txBody>
+          <a:bodyPr spcFirstLastPara="1" wrap="square" lIns="0" tIns="0" rIns="0" bIns="0" anchor="ctr" anchorCtr="0">
+            <a:noAutofit/>
+          </a:bodyPr>
+          <a:lstStyle/>
+          <a:p>
+            <a:pPr marL="0" lvl="0" indent="0" algn="l" rtl="0">
+              <a:spcBef>
+                <a:spcPts val="0"/>
+              </a:spcBef>
+              <a:spcAft>
+                <a:spcPts val="0"/>
+              </a:spcAft>
+              <a:buNone/>
+            </a:pPr>
+            <a:r>
+              <a:rPr lang="en-US" sz="2000" dirty="0">
+                <a:solidFill>
+                  <a:schemeClr val="dk1"/>
+                </a:solidFill>
+                <a:latin typeface="Walter Turncoat"/>
+                <a:ea typeface="Walter Turncoat"/>
+                <a:cs typeface="Walter Turncoat"/>
+                <a:sym typeface="Walter Turncoat"/>
+              </a:rPr>
+              <a:t>When the inputs are valid, </a:t>
+            </a:r>
+            <a:r>
+              <a:rPr lang="en-US" sz="1600" dirty="0"/>
+              <a:t>after pressing the recommend button, the user can now press the display button which will recommend a number of games based on the inputs the user put in the input window that was closed</a:t>
+            </a:r>
+          </a:p>
+        </p:txBody>
+      </p:sp>
+      <p:pic>
+        <p:nvPicPr>
+          <p:cNvPr id="3074" name="Picture 2">
+            <a:extLst>
+              <a:ext uri="{FF2B5EF4-FFF2-40B4-BE49-F238E27FC236}">
+                <a16:creationId xmlns:a16="http://schemas.microsoft.com/office/drawing/2014/main" id="{F975C563-8A3F-4C7C-A6CA-528A811C99FB}"/>
+              </a:ext>
+            </a:extLst>
+          </p:cNvPr>
+          <p:cNvPicPr>
+            <a:picLocks noChangeAspect="1" noChangeArrowheads="1"/>
+          </p:cNvPicPr>
+          <p:nvPr/>
+        </p:nvPicPr>
+        <p:blipFill>
+          <a:blip r:embed="rId5">
+            <a:extLst>
+              <a:ext uri="{28A0092B-C50C-407E-A947-70E740481C1C}">
+                <a14:useLocalDpi xmlns:a14="http://schemas.microsoft.com/office/drawing/2010/main" val="0"/>
+              </a:ext>
+            </a:extLst>
+          </a:blip>
+          <a:srcRect/>
+          <a:stretch>
+            <a:fillRect/>
+          </a:stretch>
+        </p:blipFill>
+        <p:spPr bwMode="auto">
+          <a:xfrm>
+            <a:off x="4383138" y="1366863"/>
+            <a:ext cx="3530550" cy="2301061"/>
+          </a:xfrm>
+          <a:prstGeom prst="rect">
+            <a:avLst/>
+          </a:prstGeom>
+          <a:noFill/>
+          <a:extLst>
+            <a:ext uri="{909E8E84-426E-40DD-AFC4-6F175D3DCCD1}">
+              <a14:hiddenFill xmlns:a14="http://schemas.microsoft.com/office/drawing/2010/main">
+                <a:solidFill>
+                  <a:srgbClr val="FFFFFF"/>
+                </a:solidFill>
+              </a14:hiddenFill>
+            </a:ext>
+          </a:extLst>
+        </p:spPr>
+      </p:pic>
+    </p:spTree>
+    <p:extLst>
+      <p:ext uri="{BB962C8B-B14F-4D97-AF65-F5344CB8AC3E}">
+        <p14:creationId xmlns:p14="http://schemas.microsoft.com/office/powerpoint/2010/main" val="542898164"/>
       </p:ext>
     </p:extLst>
   </p:cSld>
